--- a/Red Tape/aiaa.pptx
+++ b/Red Tape/aiaa.pptx
@@ -21,14 +21,14 @@
     <p:sldId id="260" r:id="rId12"/>
     <p:sldId id="261" r:id="rId13"/>
     <p:sldId id="281" r:id="rId14"/>
-    <p:sldId id="265" r:id="rId15"/>
-    <p:sldId id="282" r:id="rId16"/>
-    <p:sldId id="285" r:id="rId17"/>
+    <p:sldId id="285" r:id="rId15"/>
+    <p:sldId id="265" r:id="rId16"/>
+    <p:sldId id="282" r:id="rId17"/>
     <p:sldId id="283" r:id="rId18"/>
     <p:sldId id="284" r:id="rId19"/>
     <p:sldId id="267" r:id="rId20"/>
-    <p:sldId id="269" r:id="rId21"/>
-    <p:sldId id="270" r:id="rId22"/>
+    <p:sldId id="286" r:id="rId21"/>
+    <p:sldId id="269" r:id="rId22"/>
   </p:sldIdLst>
   <p:sldSz cx="9144000" cy="6858000" type="screen4x3"/>
   <p:notesSz cx="6858000" cy="9144000"/>
@@ -229,7 +229,7 @@
             <a:fld id="{E80F6C54-E91D-4F95-867C-7863366A6D2D}" type="datetimeFigureOut">
               <a:rPr lang="en-US" smtClean="0"/>
               <a:pPr/>
-              <a:t>12/26/2013</a:t>
+              <a:t>12/29/2013</a:t>
             </a:fld>
             <a:endParaRPr lang="en-US"/>
           </a:p>
@@ -1032,7 +1032,92 @@
             <a:fld id="{287209FA-059E-4A2E-B26E-AA0BFFE95037}" type="slidenum">
               <a:rPr lang="en-US" smtClean="0"/>
               <a:pPr/>
-              <a:t>15</a:t>
+              <a:t>13</a:t>
+            </a:fld>
+            <a:endParaRPr lang="en-US"/>
+          </a:p>
+        </p:txBody>
+      </p:sp>
+    </p:spTree>
+    <p:extLst>
+      <p:ext uri="{BB962C8B-B14F-4D97-AF65-F5344CB8AC3E}">
+        <p14:creationId xmlns:p14="http://schemas.microsoft.com/office/powerpoint/2010/main" val="453920973"/>
+      </p:ext>
+    </p:extLst>
+  </p:cSld>
+  <p:clrMapOvr>
+    <a:masterClrMapping/>
+  </p:clrMapOvr>
+</p:notes>
+</file>
+
+<file path=ppt/notesSlides/notesSlide7.xml><?xml version="1.0" encoding="utf-8"?>
+<p:notes xmlns:a="http://schemas.openxmlformats.org/drawingml/2006/main" xmlns:r="http://schemas.openxmlformats.org/officeDocument/2006/relationships" xmlns:p="http://schemas.openxmlformats.org/presentationml/2006/main">
+  <p:cSld>
+    <p:spTree>
+      <p:nvGrpSpPr>
+        <p:cNvPr id="1" name=""/>
+        <p:cNvGrpSpPr/>
+        <p:nvPr/>
+      </p:nvGrpSpPr>
+      <p:grpSpPr>
+        <a:xfrm>
+          <a:off x="0" y="0"/>
+          <a:ext cx="0" cy="0"/>
+          <a:chOff x="0" y="0"/>
+          <a:chExt cx="0" cy="0"/>
+        </a:xfrm>
+      </p:grpSpPr>
+      <p:sp>
+        <p:nvSpPr>
+          <p:cNvPr id="2" name="Slide Image Placeholder 1"/>
+          <p:cNvSpPr>
+            <a:spLocks noGrp="1" noRot="1" noChangeAspect="1"/>
+          </p:cNvSpPr>
+          <p:nvPr>
+            <p:ph type="sldImg"/>
+          </p:nvPr>
+        </p:nvSpPr>
+        <p:spPr/>
+      </p:sp>
+      <p:sp>
+        <p:nvSpPr>
+          <p:cNvPr id="3" name="Notes Placeholder 2"/>
+          <p:cNvSpPr>
+            <a:spLocks noGrp="1"/>
+          </p:cNvSpPr>
+          <p:nvPr>
+            <p:ph type="body" idx="1"/>
+          </p:nvPr>
+        </p:nvSpPr>
+        <p:spPr/>
+        <p:txBody>
+          <a:bodyPr/>
+          <a:lstStyle/>
+          <a:p>
+            <a:endParaRPr lang="en-US" dirty="0"/>
+          </a:p>
+        </p:txBody>
+      </p:sp>
+      <p:sp>
+        <p:nvSpPr>
+          <p:cNvPr id="4" name="Slide Number Placeholder 3"/>
+          <p:cNvSpPr>
+            <a:spLocks noGrp="1"/>
+          </p:cNvSpPr>
+          <p:nvPr>
+            <p:ph type="sldNum" sz="quarter" idx="10"/>
+          </p:nvPr>
+        </p:nvSpPr>
+        <p:spPr/>
+        <p:txBody>
+          <a:bodyPr/>
+          <a:lstStyle/>
+          <a:p>
+            <a:fld id="{287209FA-059E-4A2E-B26E-AA0BFFE95037}" type="slidenum">
+              <a:rPr lang="en-US" smtClean="0"/>
+              <a:pPr/>
+              <a:t>16</a:t>
             </a:fld>
             <a:endParaRPr lang="en-US"/>
           </a:p>
@@ -1381,7 +1466,7 @@
             <a:fld id="{130AAE83-52AE-4616-900C-5CA4FC77B17E}" type="datetime1">
               <a:rPr lang="en-US" smtClean="0"/>
               <a:pPr/>
-              <a:t>12/26/2013</a:t>
+              <a:t>12/29/2013</a:t>
             </a:fld>
             <a:endParaRPr lang="en-US"/>
           </a:p>
@@ -1597,7 +1682,7 @@
             <a:fld id="{4A4D5F64-8B59-4BAB-A4B2-4BE6F55D1329}" type="datetime1">
               <a:rPr lang="en-US" smtClean="0"/>
               <a:pPr/>
-              <a:t>12/26/2013</a:t>
+              <a:t>12/29/2013</a:t>
             </a:fld>
             <a:endParaRPr lang="en-US"/>
           </a:p>
@@ -1694,7 +1779,7 @@
             <a:fld id="{D3EBB8DD-0CF2-4CFC-9CAC-72AADBFDD499}" type="datetime1">
               <a:rPr lang="en-US" smtClean="0"/>
               <a:pPr/>
-              <a:t>12/26/2013</a:t>
+              <a:t>12/29/2013</a:t>
             </a:fld>
             <a:endParaRPr lang="en-US"/>
           </a:p>
@@ -2053,7 +2138,7 @@
             <a:fld id="{FFD1F318-F1A3-4C16-8805-DDEC454CA5BA}" type="datetime1">
               <a:rPr lang="en-US" smtClean="0"/>
               <a:pPr/>
-              <a:t>12/26/2013</a:t>
+              <a:t>12/29/2013</a:t>
             </a:fld>
             <a:endParaRPr lang="en-US"/>
           </a:p>
@@ -2326,7 +2411,7 @@
             <a:fld id="{52C069B5-A668-46B9-B1E8-98E07DB21C92}" type="datetime1">
               <a:rPr lang="en-US" smtClean="0"/>
               <a:pPr/>
-              <a:t>12/26/2013</a:t>
+              <a:t>12/29/2013</a:t>
             </a:fld>
             <a:endParaRPr lang="en-US"/>
           </a:p>
@@ -2763,7 +2848,7 @@
             <a:fld id="{961112FB-3672-40ED-A184-EA261B1DA135}" type="datetime1">
               <a:rPr lang="en-US" smtClean="0"/>
               <a:pPr/>
-              <a:t>12/26/2013</a:t>
+              <a:t>12/29/2013</a:t>
             </a:fld>
             <a:endParaRPr lang="en-US"/>
           </a:p>
@@ -2888,7 +2973,7 @@
             <a:fld id="{25155550-E82D-4A33-A1E0-9DE65805F669}" type="datetime1">
               <a:rPr lang="en-US" smtClean="0"/>
               <a:pPr/>
-              <a:t>12/26/2013</a:t>
+              <a:t>12/29/2013</a:t>
             </a:fld>
             <a:endParaRPr lang="en-US"/>
           </a:p>
@@ -3013,7 +3098,7 @@
             <a:fld id="{947C8DF1-0AD1-4A96-9A7F-90B93C0A6F29}" type="datetime1">
               <a:rPr lang="en-US" smtClean="0"/>
               <a:pPr/>
-              <a:t>12/26/2013</a:t>
+              <a:t>12/29/2013</a:t>
             </a:fld>
             <a:endParaRPr lang="en-US"/>
           </a:p>
@@ -3301,7 +3386,7 @@
             <a:fld id="{B0AA118A-2C14-49E9-96A1-94C16E7313C6}" type="datetime1">
               <a:rPr lang="en-US" smtClean="0"/>
               <a:pPr/>
-              <a:t>12/26/2013</a:t>
+              <a:t>12/29/2013</a:t>
             </a:fld>
             <a:endParaRPr lang="en-US"/>
           </a:p>
@@ -3565,7 +3650,7 @@
             <a:fld id="{6B255554-A90F-4A59-A14F-87EDACB75980}" type="datetime1">
               <a:rPr lang="en-US" smtClean="0"/>
               <a:pPr/>
-              <a:t>12/26/2013</a:t>
+              <a:t>12/29/2013</a:t>
             </a:fld>
             <a:endParaRPr lang="en-US"/>
           </a:p>
@@ -3683,7 +3768,7 @@
             <a:fld id="{4CC649D3-8629-44D3-B6E7-C300D27F7B3A}" type="datetime1">
               <a:rPr lang="en-US" smtClean="0"/>
               <a:pPr/>
-              <a:t>12/26/2013</a:t>
+              <a:t>12/29/2013</a:t>
             </a:fld>
             <a:endParaRPr lang="en-US" dirty="0"/>
           </a:p>
@@ -4417,8 +4502,8 @@
           </a:p>
         </p:txBody>
       </p:sp>
-      <mc:AlternateContent xmlns:mc="http://schemas.openxmlformats.org/markup-compatibility/2006">
-        <mc:Choice xmlns:a14="http://schemas.microsoft.com/office/drawing/2010/main" Requires="a14">
+      <mc:AlternateContent xmlns:mc="http://schemas.openxmlformats.org/markup-compatibility/2006" xmlns:a14="http://schemas.microsoft.com/office/drawing/2010/main">
+        <mc:Choice Requires="a14">
           <p:sp>
             <p:nvSpPr>
               <p:cNvPr id="4" name="Content Placeholder 3"/>
@@ -4642,13 +4727,7 @@
                                         <a:rPr lang="en-US" sz="2000" i="1">
                                           <a:latin typeface="Cambria Math"/>
                                         </a:rPr>
-                                        <m:t>𝜕</m:t>
-                                      </m:r>
-                                      <m:r>
-                                        <a:rPr lang="en-US" sz="2000" i="1">
-                                          <a:latin typeface="Cambria Math"/>
-                                        </a:rPr>
-                                        <m:t>𝛼</m:t>
+                                        <m:t>𝜕𝛼</m:t>
                                       </m:r>
                                     </m:den>
                                   </m:f>
@@ -4972,7 +5051,7 @@
             </p:txBody>
           </p:sp>
         </mc:Choice>
-        <mc:Fallback>
+        <mc:Fallback xmlns="">
           <p:sp>
             <p:nvSpPr>
               <p:cNvPr id="4" name="Content Placeholder 3"/>
@@ -5319,15 +5398,15 @@
               <a:p>
                 <a:r>
                   <a:rPr lang="en-US" dirty="0"/>
-                  <a:t>Error in data is </a:t>
+                  <a:t>Error in </a:t>
+                </a:r>
+                <a:r>
+                  <a:rPr lang="en-US" dirty="0" smtClean="0"/>
+                  <a:t>forces for random error is </a:t>
                 </a:r>
                 <a:r>
                   <a:rPr lang="en-US" dirty="0" err="1" smtClean="0"/>
                   <a:t>heteroskedastic</a:t>
-                </a:r>
-                <a:r>
-                  <a:rPr lang="en-US" dirty="0" smtClean="0"/>
-                  <a:t> for random error</a:t>
                 </a:r>
                 <a:endParaRPr lang="en-US" dirty="0"/>
               </a:p>
@@ -5397,47 +5476,52 @@
                 <a:endParaRPr lang="en-US" dirty="0"/>
               </a:p>
               <a:p>
-                <a:pPr lvl="1"/>
                 <a:r>
                   <a:rPr lang="en-US" dirty="0" err="1"/>
                   <a:t>Matlab’s</a:t>
                 </a:r>
                 <a:r>
                   <a:rPr lang="en-US" dirty="0"/>
-                  <a:t> “</a:t>
+                  <a:t> </a:t>
                 </a:r>
                 <a:r>
-                  <a:rPr lang="en-US" dirty="0" err="1"/>
+                  <a:rPr lang="en-US" dirty="0" err="1" smtClean="0">
+                    <a:latin typeface="Courier New" panose="02070309020205020404" pitchFamily="49" charset="0"/>
+                    <a:cs typeface="Courier New" panose="02070309020205020404" pitchFamily="49" charset="0"/>
+                  </a:rPr>
                   <a:t>robustfit</a:t>
                 </a:r>
                 <a:r>
-                  <a:rPr lang="en-US" dirty="0"/>
-                  <a:t>” function returns robust standard error estimates</a:t>
-                </a:r>
-              </a:p>
-              <a:p>
-                <a:r>
-                  <a:rPr lang="en-US" dirty="0"/>
-                  <a:t>Can also use </a:t>
-                </a:r>
-                <a:r>
-                  <a:rPr lang="en-US" dirty="0" err="1"/>
-                  <a:t>Kalman</a:t>
+                  <a:rPr lang="en-US" dirty="0" smtClean="0"/>
+                  <a:t> returns </a:t>
                 </a:r>
                 <a:r>
                   <a:rPr lang="en-US" dirty="0"/>
-                  <a:t> filter to estimate coefficients</a:t>
+                  <a:t>robust standard error </a:t>
+                </a:r>
+                <a:r>
+                  <a:rPr lang="en-US" dirty="0" smtClean="0"/>
+                  <a:t>estimates</a:t>
                 </a:r>
               </a:p>
               <a:p>
                 <a:pPr lvl="1"/>
                 <a:r>
-                  <a:rPr lang="en-US" dirty="0"/>
-                  <a:t>Zero process noise, no state update</a:t>
+                  <a:rPr lang="en-US" dirty="0" smtClean="0"/>
+                  <a:t>De-weights </a:t>
                 </a:r>
-                <a:endParaRPr lang="en-US" dirty="0"/>
-              </a:p>
-              <a:p>
+                <a:r>
+                  <a:rPr lang="en-US" dirty="0" err="1" smtClean="0"/>
+                  <a:t>heteroskedastic</a:t>
+                </a:r>
+                <a:r>
+                  <a:rPr lang="en-US" dirty="0" smtClean="0"/>
+                  <a:t> outliers using </a:t>
+                </a:r>
+                <a:r>
+                  <a:rPr lang="en-US" dirty="0" smtClean="0"/>
+                  <a:t>iteratively weighted least squares</a:t>
+                </a:r>
                 <a:endParaRPr lang="en-US" dirty="0"/>
               </a:p>
             </p:txBody>
@@ -5501,11 +5585,7 @@
           <a:p>
             <a:r>
               <a:rPr lang="en-US" dirty="0" smtClean="0"/>
-              <a:t>t </a:t>
-            </a:r>
-            <a:r>
-              <a:rPr lang="en-US" dirty="0" smtClean="0"/>
-              <a:t>= 1.96 for 95% CI</a:t>
+              <a:t>t = 1.96 for 95% CI</a:t>
             </a:r>
             <a:endParaRPr lang="en-US" dirty="0"/>
           </a:p>
@@ -5623,7 +5703,7 @@
         </p:blipFill>
         <p:spPr>
           <a:xfrm>
-            <a:off x="2201334" y="1219200"/>
+            <a:off x="2201334" y="1066800"/>
             <a:ext cx="4742919" cy="3552940"/>
           </a:xfrm>
           <a:ln w="3175">
@@ -5633,41 +5713,311 @@
           </a:ln>
         </p:spPr>
       </p:pic>
-      <p:sp>
-        <p:nvSpPr>
-          <p:cNvPr id="8" name="TextBox 7"/>
-          <p:cNvSpPr txBox="1"/>
-          <p:nvPr/>
-        </p:nvSpPr>
-        <p:spPr>
-          <a:xfrm>
-            <a:off x="1219200" y="5105400"/>
-            <a:ext cx="6248400" cy="369332"/>
-          </a:xfrm>
-          <a:prstGeom prst="rect">
-            <a:avLst/>
-          </a:prstGeom>
-          <a:noFill/>
-          <a:ln>
-            <a:solidFill>
-              <a:schemeClr val="tx1"/>
-            </a:solidFill>
-          </a:ln>
-        </p:spPr>
-        <p:txBody>
-          <a:bodyPr wrap="square" rtlCol="0">
-            <a:spAutoFit/>
-          </a:bodyPr>
-          <a:lstStyle/>
-          <a:p>
-            <a:r>
-              <a:rPr lang="en-US" dirty="0" smtClean="0"/>
-              <a:t>Insert table of error values here</a:t>
-            </a:r>
-            <a:endParaRPr lang="en-US" dirty="0"/>
-          </a:p>
-        </p:txBody>
-      </p:sp>
+      <p:graphicFrame>
+        <p:nvGraphicFramePr>
+          <p:cNvPr id="4" name="Table 3"/>
+          <p:cNvGraphicFramePr>
+            <a:graphicFrameLocks noGrp="1"/>
+          </p:cNvGraphicFramePr>
+          <p:nvPr>
+            <p:extLst>
+              <p:ext uri="{D42A27DB-BD31-4B8C-83A1-F6EECF244321}">
+                <p14:modId xmlns:p14="http://schemas.microsoft.com/office/powerpoint/2010/main" val="3130895117"/>
+              </p:ext>
+            </p:extLst>
+          </p:nvPr>
+        </p:nvGraphicFramePr>
+        <p:xfrm>
+          <a:off x="1524000" y="4964112"/>
+          <a:ext cx="6096000" cy="1752600"/>
+        </p:xfrm>
+        <a:graphic>
+          <a:graphicData uri="http://schemas.openxmlformats.org/drawingml/2006/table">
+            <a:tbl>
+              <a:tblPr firstRow="1" bandRow="1">
+                <a:tableStyleId>{5940675A-B579-460E-94D1-54222C63F5DA}</a:tableStyleId>
+              </a:tblPr>
+              <a:tblGrid>
+                <a:gridCol w="1524000"/>
+                <a:gridCol w="1524000"/>
+                <a:gridCol w="1524000"/>
+                <a:gridCol w="1524000"/>
+              </a:tblGrid>
+              <a:tr h="370840">
+                <a:tc>
+                  <a:txBody>
+                    <a:bodyPr/>
+                    <a:lstStyle/>
+                    <a:p>
+                      <a:pPr algn="ctr"/>
+                      <a:endParaRPr lang="en-US" dirty="0"/>
+                    </a:p>
+                  </a:txBody>
+                  <a:tcPr anchor="ctr">
+                    <a:lnL w="12700" cap="flat" cmpd="sng" algn="ctr">
+                      <a:noFill/>
+                      <a:prstDash val="solid"/>
+                      <a:round/>
+                      <a:headEnd type="none" w="med" len="med"/>
+                      <a:tailEnd type="none" w="med" len="med"/>
+                    </a:lnL>
+                    <a:lnT w="12700" cap="flat" cmpd="sng" algn="ctr">
+                      <a:noFill/>
+                      <a:prstDash val="solid"/>
+                      <a:round/>
+                      <a:headEnd type="none" w="med" len="med"/>
+                      <a:tailEnd type="none" w="med" len="med"/>
+                    </a:lnT>
+                  </a:tcPr>
+                </a:tc>
+                <a:tc>
+                  <a:txBody>
+                    <a:bodyPr/>
+                    <a:lstStyle/>
+                    <a:p>
+                      <a:pPr algn="ctr"/>
+                      <a:r>
+                        <a:rPr lang="en-US" dirty="0" smtClean="0"/>
+                        <a:t>C</a:t>
+                      </a:r>
+                      <a:r>
+                        <a:rPr lang="en-US" baseline="-25000" dirty="0" smtClean="0"/>
+                        <a:t>D0</a:t>
+                      </a:r>
+                      <a:endParaRPr lang="en-US" baseline="-25000" dirty="0"/>
+                    </a:p>
+                  </a:txBody>
+                  <a:tcPr anchor="ctr"/>
+                </a:tc>
+                <a:tc>
+                  <a:txBody>
+                    <a:bodyPr/>
+                    <a:lstStyle/>
+                    <a:p>
+                      <a:pPr algn="ctr"/>
+                      <a:r>
+                        <a:rPr lang="en-US" dirty="0" smtClean="0"/>
+                        <a:t>K</a:t>
+                      </a:r>
+                      <a:r>
+                        <a:rPr lang="en-US" baseline="-25000" dirty="0" smtClean="0"/>
+                        <a:t>1</a:t>
+                      </a:r>
+                      <a:endParaRPr lang="en-US" baseline="-25000" dirty="0"/>
+                    </a:p>
+                  </a:txBody>
+                  <a:tcPr anchor="ctr"/>
+                </a:tc>
+                <a:tc>
+                  <a:txBody>
+                    <a:bodyPr/>
+                    <a:lstStyle/>
+                    <a:p>
+                      <a:pPr algn="ctr"/>
+                      <a:r>
+                        <a:rPr lang="en-US" dirty="0" smtClean="0"/>
+                        <a:t>K</a:t>
+                      </a:r>
+                      <a:r>
+                        <a:rPr lang="en-US" baseline="-25000" dirty="0" smtClean="0"/>
+                        <a:t>2</a:t>
+                      </a:r>
+                      <a:endParaRPr lang="en-US" baseline="-25000" dirty="0"/>
+                    </a:p>
+                  </a:txBody>
+                  <a:tcPr anchor="ctr"/>
+                </a:tc>
+              </a:tr>
+              <a:tr h="370840">
+                <a:tc>
+                  <a:txBody>
+                    <a:bodyPr/>
+                    <a:lstStyle/>
+                    <a:p>
+                      <a:pPr algn="ctr"/>
+                      <a:r>
+                        <a:rPr lang="en-US" dirty="0" smtClean="0"/>
+                        <a:t>System Inputs</a:t>
+                      </a:r>
+                      <a:endParaRPr lang="en-US" dirty="0"/>
+                    </a:p>
+                  </a:txBody>
+                  <a:tcPr anchor="ctr"/>
+                </a:tc>
+                <a:tc>
+                  <a:txBody>
+                    <a:bodyPr/>
+                    <a:lstStyle/>
+                    <a:p>
+                      <a:pPr algn="ctr"/>
+                      <a:r>
+                        <a:rPr lang="en-US" dirty="0" smtClean="0"/>
+                        <a:t>0.0493</a:t>
+                      </a:r>
+                      <a:endParaRPr lang="en-US" dirty="0"/>
+                    </a:p>
+                  </a:txBody>
+                  <a:tcPr anchor="ctr"/>
+                </a:tc>
+                <a:tc>
+                  <a:txBody>
+                    <a:bodyPr/>
+                    <a:lstStyle/>
+                    <a:p>
+                      <a:pPr algn="ctr"/>
+                      <a:r>
+                        <a:rPr lang="en-US" dirty="0" smtClean="0"/>
+                        <a:t>0</a:t>
+                      </a:r>
+                      <a:endParaRPr lang="en-US" dirty="0"/>
+                    </a:p>
+                  </a:txBody>
+                  <a:tcPr anchor="ctr"/>
+                </a:tc>
+                <a:tc>
+                  <a:txBody>
+                    <a:bodyPr/>
+                    <a:lstStyle/>
+                    <a:p>
+                      <a:pPr algn="ctr"/>
+                      <a:r>
+                        <a:rPr lang="en-US" dirty="0" smtClean="0"/>
+                        <a:t>0.03</a:t>
+                      </a:r>
+                      <a:endParaRPr lang="en-US" dirty="0"/>
+                    </a:p>
+                  </a:txBody>
+                  <a:tcPr anchor="ctr"/>
+                </a:tc>
+              </a:tr>
+              <a:tr h="370840">
+                <a:tc>
+                  <a:txBody>
+                    <a:bodyPr/>
+                    <a:lstStyle/>
+                    <a:p>
+                      <a:pPr algn="ctr"/>
+                      <a:r>
+                        <a:rPr lang="en-US" dirty="0" smtClean="0"/>
+                        <a:t>OLS Estimate</a:t>
+                      </a:r>
+                      <a:endParaRPr lang="en-US" dirty="0"/>
+                    </a:p>
+                  </a:txBody>
+                  <a:tcPr anchor="ctr"/>
+                </a:tc>
+                <a:tc>
+                  <a:txBody>
+                    <a:bodyPr/>
+                    <a:lstStyle/>
+                    <a:p>
+                      <a:pPr algn="ctr"/>
+                      <a:r>
+                        <a:rPr lang="en-US" dirty="0" smtClean="0"/>
+                        <a:t>0.0355</a:t>
+                      </a:r>
+                      <a:endParaRPr lang="en-US" dirty="0"/>
+                    </a:p>
+                  </a:txBody>
+                  <a:tcPr anchor="ctr"/>
+                </a:tc>
+                <a:tc>
+                  <a:txBody>
+                    <a:bodyPr/>
+                    <a:lstStyle/>
+                    <a:p>
+                      <a:pPr algn="ctr"/>
+                      <a:r>
+                        <a:rPr lang="en-US" dirty="0" smtClean="0"/>
+                        <a:t>-0.0136</a:t>
+                      </a:r>
+                      <a:endParaRPr lang="en-US" dirty="0"/>
+                    </a:p>
+                  </a:txBody>
+                  <a:tcPr anchor="ctr"/>
+                </a:tc>
+                <a:tc>
+                  <a:txBody>
+                    <a:bodyPr/>
+                    <a:lstStyle/>
+                    <a:p>
+                      <a:pPr algn="ctr"/>
+                      <a:r>
+                        <a:rPr lang="en-US" dirty="0" smtClean="0"/>
+                        <a:t>0.0275</a:t>
+                      </a:r>
+                      <a:endParaRPr lang="en-US" dirty="0"/>
+                    </a:p>
+                  </a:txBody>
+                  <a:tcPr anchor="ctr"/>
+                </a:tc>
+              </a:tr>
+              <a:tr h="370840">
+                <a:tc>
+                  <a:txBody>
+                    <a:bodyPr/>
+                    <a:lstStyle/>
+                    <a:p>
+                      <a:pPr algn="ctr"/>
+                      <a:r>
+                        <a:rPr lang="en-US" dirty="0" smtClean="0"/>
+                        <a:t>Robust LS Estimate</a:t>
+                      </a:r>
+                      <a:endParaRPr lang="en-US" dirty="0"/>
+                    </a:p>
+                  </a:txBody>
+                  <a:tcPr anchor="ctr"/>
+                </a:tc>
+                <a:tc>
+                  <a:txBody>
+                    <a:bodyPr/>
+                    <a:lstStyle/>
+                    <a:p>
+                      <a:pPr algn="ctr"/>
+                      <a:r>
+                        <a:rPr lang="en-US" dirty="0" smtClean="0"/>
+                        <a:t>0.0460</a:t>
+                      </a:r>
+                      <a:endParaRPr lang="en-US" dirty="0"/>
+                    </a:p>
+                  </a:txBody>
+                  <a:tcPr anchor="ctr"/>
+                </a:tc>
+                <a:tc>
+                  <a:txBody>
+                    <a:bodyPr/>
+                    <a:lstStyle/>
+                    <a:p>
+                      <a:pPr algn="ctr"/>
+                      <a:r>
+                        <a:rPr lang="en-US" dirty="0" smtClean="0"/>
+                        <a:t>-0.0037</a:t>
+                      </a:r>
+                      <a:endParaRPr lang="en-US" dirty="0"/>
+                    </a:p>
+                  </a:txBody>
+                  <a:tcPr anchor="ctr"/>
+                </a:tc>
+                <a:tc>
+                  <a:txBody>
+                    <a:bodyPr/>
+                    <a:lstStyle/>
+                    <a:p>
+                      <a:pPr algn="ctr"/>
+                      <a:r>
+                        <a:rPr lang="en-US" dirty="0" smtClean="0"/>
+                        <a:t>0.0292</a:t>
+                      </a:r>
+                      <a:endParaRPr lang="en-US" dirty="0"/>
+                    </a:p>
+                  </a:txBody>
+                  <a:tcPr anchor="ctr"/>
+                </a:tc>
+              </a:tr>
+            </a:tbl>
+          </a:graphicData>
+        </a:graphic>
+      </p:graphicFrame>
     </p:spTree>
     <p:extLst>
       <p:ext uri="{BB962C8B-B14F-4D97-AF65-F5344CB8AC3E}">
@@ -5707,6 +6057,358 @@
       </p:grpSpPr>
       <p:sp>
         <p:nvSpPr>
+          <p:cNvPr id="16" name="TextBox 15"/>
+          <p:cNvSpPr txBox="1"/>
+          <p:nvPr/>
+        </p:nvSpPr>
+        <p:spPr>
+          <a:xfrm>
+            <a:off x="2081987" y="5016988"/>
+            <a:ext cx="4981614" cy="1754326"/>
+          </a:xfrm>
+          <a:prstGeom prst="rect">
+            <a:avLst/>
+          </a:prstGeom>
+          <a:noFill/>
+          <a:ln>
+            <a:solidFill>
+              <a:schemeClr val="tx1"/>
+            </a:solidFill>
+          </a:ln>
+        </p:spPr>
+        <p:txBody>
+          <a:bodyPr wrap="square" rtlCol="0">
+            <a:spAutoFit/>
+          </a:bodyPr>
+          <a:lstStyle/>
+          <a:p>
+            <a:pPr algn="ctr"/>
+            <a:r>
+              <a:rPr lang="en-US" dirty="0" err="1" smtClean="0"/>
+              <a:t>Aeroprobe</a:t>
+            </a:r>
+            <a:r>
+              <a:rPr lang="en-US" dirty="0" smtClean="0"/>
+              <a:t> Five-Hole Probe</a:t>
+            </a:r>
+          </a:p>
+          <a:p>
+            <a:endParaRPr lang="en-US" dirty="0"/>
+          </a:p>
+          <a:p>
+            <a:endParaRPr lang="en-US" dirty="0" smtClean="0"/>
+          </a:p>
+          <a:p>
+            <a:endParaRPr lang="en-US" dirty="0"/>
+          </a:p>
+          <a:p>
+            <a:endParaRPr lang="en-US" dirty="0" smtClean="0"/>
+          </a:p>
+          <a:p>
+            <a:pPr marL="285750" indent="-285750">
+              <a:buFont typeface="Arial" panose="020B0604020202020204" pitchFamily="34" charset="0"/>
+              <a:buChar char="•"/>
+            </a:pPr>
+            <a:r>
+              <a:rPr lang="en-US" dirty="0" smtClean="0"/>
+              <a:t>Calibrated angles to pressures at 70 </a:t>
+            </a:r>
+            <a:r>
+              <a:rPr lang="en-US" dirty="0" err="1" smtClean="0"/>
+              <a:t>ft</a:t>
+            </a:r>
+            <a:r>
+              <a:rPr lang="en-US" dirty="0" smtClean="0"/>
+              <a:t>/s</a:t>
+            </a:r>
+            <a:endParaRPr lang="en-US" dirty="0"/>
+          </a:p>
+        </p:txBody>
+      </p:sp>
+      <p:sp>
+        <p:nvSpPr>
+          <p:cNvPr id="9" name="TextBox 8"/>
+          <p:cNvSpPr txBox="1"/>
+          <p:nvPr/>
+        </p:nvSpPr>
+        <p:spPr>
+          <a:xfrm>
+            <a:off x="6096001" y="1143000"/>
+            <a:ext cx="2724747" cy="3693319"/>
+          </a:xfrm>
+          <a:prstGeom prst="rect">
+            <a:avLst/>
+          </a:prstGeom>
+          <a:noFill/>
+          <a:ln w="3175">
+            <a:solidFill>
+              <a:schemeClr val="tx1"/>
+            </a:solidFill>
+          </a:ln>
+        </p:spPr>
+        <p:txBody>
+          <a:bodyPr wrap="square" rtlCol="0">
+            <a:spAutoFit/>
+          </a:bodyPr>
+          <a:lstStyle/>
+          <a:p>
+            <a:pPr algn="ctr"/>
+            <a:r>
+              <a:rPr lang="en-US" dirty="0" smtClean="0"/>
+              <a:t>External Air Data System</a:t>
+            </a:r>
+          </a:p>
+          <a:p>
+            <a:endParaRPr lang="en-US" dirty="0"/>
+          </a:p>
+          <a:p>
+            <a:endParaRPr lang="en-US" dirty="0" smtClean="0"/>
+          </a:p>
+          <a:p>
+            <a:endParaRPr lang="en-US" dirty="0"/>
+          </a:p>
+          <a:p>
+            <a:endParaRPr lang="en-US" dirty="0" smtClean="0"/>
+          </a:p>
+          <a:p>
+            <a:endParaRPr lang="en-US" dirty="0"/>
+          </a:p>
+          <a:p>
+            <a:endParaRPr lang="en-US" dirty="0" smtClean="0"/>
+          </a:p>
+          <a:p>
+            <a:endParaRPr lang="en-US" dirty="0"/>
+          </a:p>
+          <a:p>
+            <a:pPr marL="285750" indent="-285750">
+              <a:buFont typeface="Arial" panose="020B0604020202020204" pitchFamily="34" charset="0"/>
+              <a:buChar char="•"/>
+            </a:pPr>
+            <a:r>
+              <a:rPr lang="en-US" dirty="0" smtClean="0"/>
+              <a:t>Custom PCB</a:t>
+            </a:r>
+          </a:p>
+          <a:p>
+            <a:pPr marL="285750" indent="-285750">
+              <a:buFont typeface="Arial" panose="020B0604020202020204" pitchFamily="34" charset="0"/>
+              <a:buChar char="•"/>
+            </a:pPr>
+            <a:r>
+              <a:rPr lang="en-US" dirty="0" smtClean="0"/>
+              <a:t>Pressure, temperature, and alignment </a:t>
+            </a:r>
+            <a:r>
+              <a:rPr lang="en-US" dirty="0" err="1" smtClean="0"/>
+              <a:t>accel</a:t>
+            </a:r>
+            <a:endParaRPr lang="en-US" dirty="0" smtClean="0"/>
+          </a:p>
+          <a:p>
+            <a:pPr marL="285750" indent="-285750">
+              <a:buFont typeface="Arial" panose="020B0604020202020204" pitchFamily="34" charset="0"/>
+              <a:buChar char="•"/>
+            </a:pPr>
+            <a:r>
+              <a:rPr lang="en-US" dirty="0" smtClean="0"/>
+              <a:t>RJ-25 interface</a:t>
+            </a:r>
+          </a:p>
+          <a:p>
+            <a:pPr marL="285750" indent="-285750">
+              <a:buFont typeface="Arial" panose="020B0604020202020204" pitchFamily="34" charset="0"/>
+              <a:buChar char="•"/>
+            </a:pPr>
+            <a:endParaRPr lang="en-US" dirty="0"/>
+          </a:p>
+        </p:txBody>
+      </p:sp>
+      <p:sp>
+        <p:nvSpPr>
+          <p:cNvPr id="7" name="TextBox 6"/>
+          <p:cNvSpPr txBox="1"/>
+          <p:nvPr/>
+        </p:nvSpPr>
+        <p:spPr>
+          <a:xfrm>
+            <a:off x="3035252" y="1143000"/>
+            <a:ext cx="2724747" cy="3693319"/>
+          </a:xfrm>
+          <a:prstGeom prst="rect">
+            <a:avLst/>
+          </a:prstGeom>
+          <a:noFill/>
+          <a:ln w="3175">
+            <a:solidFill>
+              <a:schemeClr val="tx1"/>
+            </a:solidFill>
+          </a:ln>
+        </p:spPr>
+        <p:txBody>
+          <a:bodyPr wrap="square" rtlCol="0">
+            <a:spAutoFit/>
+          </a:bodyPr>
+          <a:lstStyle/>
+          <a:p>
+            <a:pPr algn="ctr"/>
+            <a:r>
+              <a:rPr lang="en-US" dirty="0" smtClean="0"/>
+              <a:t>Data Acquisition Shield</a:t>
+            </a:r>
+          </a:p>
+          <a:p>
+            <a:endParaRPr lang="en-US" dirty="0"/>
+          </a:p>
+          <a:p>
+            <a:endParaRPr lang="en-US" dirty="0" smtClean="0"/>
+          </a:p>
+          <a:p>
+            <a:endParaRPr lang="en-US" dirty="0"/>
+          </a:p>
+          <a:p>
+            <a:endParaRPr lang="en-US" dirty="0" smtClean="0"/>
+          </a:p>
+          <a:p>
+            <a:endParaRPr lang="en-US" dirty="0"/>
+          </a:p>
+          <a:p>
+            <a:endParaRPr lang="en-US" dirty="0" smtClean="0"/>
+          </a:p>
+          <a:p>
+            <a:endParaRPr lang="en-US" dirty="0"/>
+          </a:p>
+          <a:p>
+            <a:pPr marL="285750" indent="-285750">
+              <a:buFont typeface="Arial" panose="020B0604020202020204" pitchFamily="34" charset="0"/>
+              <a:buChar char="•"/>
+            </a:pPr>
+            <a:r>
+              <a:rPr lang="en-US" dirty="0" smtClean="0"/>
+              <a:t>Custom PCB</a:t>
+            </a:r>
+          </a:p>
+          <a:p>
+            <a:pPr marL="285750" indent="-285750">
+              <a:buFont typeface="Arial" panose="020B0604020202020204" pitchFamily="34" charset="0"/>
+              <a:buChar char="•"/>
+            </a:pPr>
+            <a:r>
+              <a:rPr lang="en-US" dirty="0" smtClean="0"/>
+              <a:t>Integrates external mag, pressure sensors</a:t>
+            </a:r>
+          </a:p>
+          <a:p>
+            <a:pPr marL="285750" indent="-285750">
+              <a:buFont typeface="Arial" panose="020B0604020202020204" pitchFamily="34" charset="0"/>
+              <a:buChar char="•"/>
+            </a:pPr>
+            <a:r>
+              <a:rPr lang="en-US" dirty="0" smtClean="0"/>
+              <a:t>Customizable to fit packaging needs</a:t>
+            </a:r>
+            <a:endParaRPr lang="en-US" dirty="0"/>
+          </a:p>
+        </p:txBody>
+      </p:sp>
+      <p:sp>
+        <p:nvSpPr>
+          <p:cNvPr id="6" name="TextBox 5"/>
+          <p:cNvSpPr txBox="1"/>
+          <p:nvPr/>
+        </p:nvSpPr>
+        <p:spPr>
+          <a:xfrm>
+            <a:off x="381000" y="1143000"/>
+            <a:ext cx="2401095" cy="3693319"/>
+          </a:xfrm>
+          <a:prstGeom prst="rect">
+            <a:avLst/>
+          </a:prstGeom>
+          <a:noFill/>
+          <a:ln>
+            <a:solidFill>
+              <a:schemeClr val="tx1"/>
+            </a:solidFill>
+          </a:ln>
+        </p:spPr>
+        <p:txBody>
+          <a:bodyPr wrap="square" rtlCol="0">
+            <a:spAutoFit/>
+          </a:bodyPr>
+          <a:lstStyle/>
+          <a:p>
+            <a:pPr algn="ctr"/>
+            <a:r>
+              <a:rPr lang="en-US" dirty="0" smtClean="0"/>
+              <a:t>Arduino Due Flight Computer</a:t>
+            </a:r>
+          </a:p>
+          <a:p>
+            <a:endParaRPr lang="en-US" dirty="0"/>
+          </a:p>
+          <a:p>
+            <a:endParaRPr lang="en-US" dirty="0" smtClean="0"/>
+          </a:p>
+          <a:p>
+            <a:endParaRPr lang="en-US" dirty="0"/>
+          </a:p>
+          <a:p>
+            <a:endParaRPr lang="en-US" dirty="0" smtClean="0"/>
+          </a:p>
+          <a:p>
+            <a:endParaRPr lang="en-US" dirty="0"/>
+          </a:p>
+          <a:p>
+            <a:endParaRPr lang="en-US" dirty="0"/>
+          </a:p>
+          <a:p>
+            <a:pPr marL="285750" indent="-285750">
+              <a:buFont typeface="Arial" panose="020B0604020202020204" pitchFamily="34" charset="0"/>
+              <a:buChar char="•"/>
+            </a:pPr>
+            <a:r>
+              <a:rPr lang="en-US" dirty="0" smtClean="0"/>
+              <a:t>84 MHz clock</a:t>
+            </a:r>
+          </a:p>
+          <a:p>
+            <a:pPr marL="285750" indent="-285750">
+              <a:buFont typeface="Arial" panose="020B0604020202020204" pitchFamily="34" charset="0"/>
+              <a:buChar char="•"/>
+            </a:pPr>
+            <a:r>
+              <a:rPr lang="en-US" dirty="0" smtClean="0"/>
+              <a:t>32-bit processor</a:t>
+            </a:r>
+          </a:p>
+          <a:p>
+            <a:pPr marL="285750" indent="-285750">
+              <a:buFont typeface="Arial" panose="020B0604020202020204" pitchFamily="34" charset="0"/>
+              <a:buChar char="•"/>
+            </a:pPr>
+            <a:r>
+              <a:rPr lang="en-US" dirty="0" smtClean="0"/>
+              <a:t>4 UART channels</a:t>
+            </a:r>
+          </a:p>
+          <a:p>
+            <a:pPr marL="285750" indent="-285750">
+              <a:buFont typeface="Arial" panose="020B0604020202020204" pitchFamily="34" charset="0"/>
+              <a:buChar char="•"/>
+            </a:pPr>
+            <a:endParaRPr lang="en-US" dirty="0"/>
+          </a:p>
+          <a:p>
+            <a:pPr marL="285750" indent="-285750">
+              <a:buFont typeface="Arial" panose="020B0604020202020204" pitchFamily="34" charset="0"/>
+              <a:buChar char="•"/>
+            </a:pPr>
+            <a:endParaRPr lang="en-US" dirty="0"/>
+          </a:p>
+        </p:txBody>
+      </p:sp>
+      <p:sp>
+        <p:nvSpPr>
           <p:cNvPr id="2" name="Slide Number Placeholder 1"/>
           <p:cNvSpPr>
             <a:spLocks noGrp="1"/>
@@ -5767,11 +6469,11 @@
           </p:nvPr>
         </p:nvPicPr>
         <p:blipFill>
-          <a:blip r:embed="rId2" cstate="print">
+          <a:blip r:embed="rId3" cstate="print">
             <a:extLst>
               <a:ext uri="{BEBA8EAE-BF5A-486C-A8C5-ECC9F3942E4B}">
                 <a14:imgProps xmlns:a14="http://schemas.microsoft.com/office/drawing/2010/main">
-                  <a14:imgLayer r:embed="rId3">
+                  <a14:imgLayer r:embed="rId4">
                     <a14:imgEffect>
                       <a14:backgroundRemoval t="0" b="100000" l="0" r="100000">
                         <a14:foregroundMark x1="9180" y1="10073" x2="9180" y2="10073"/>
@@ -5840,11 +6542,309 @@
         </p:blipFill>
         <p:spPr>
           <a:xfrm>
-            <a:off x="230188" y="1447800"/>
+            <a:off x="381001" y="1667206"/>
             <a:ext cx="2325294" cy="1239854"/>
           </a:xfrm>
         </p:spPr>
       </p:pic>
+      <p:pic>
+        <p:nvPicPr>
+          <p:cNvPr id="4" name="Picture 3"/>
+          <p:cNvPicPr>
+            <a:picLocks noChangeAspect="1"/>
+          </p:cNvPicPr>
+          <p:nvPr/>
+        </p:nvPicPr>
+        <p:blipFill>
+          <a:blip r:embed="rId5">
+            <a:extLst>
+              <a:ext uri="{28A0092B-C50C-407E-A947-70E740481C1C}">
+                <a14:useLocalDpi xmlns:a14="http://schemas.microsoft.com/office/drawing/2010/main" val="0"/>
+              </a:ext>
+            </a:extLst>
+          </a:blip>
+          <a:stretch>
+            <a:fillRect/>
+          </a:stretch>
+        </p:blipFill>
+        <p:spPr>
+          <a:xfrm>
+            <a:off x="3368925" y="1619143"/>
+            <a:ext cx="2057400" cy="1273629"/>
+          </a:xfrm>
+          <a:prstGeom prst="rect">
+            <a:avLst/>
+          </a:prstGeom>
+        </p:spPr>
+      </p:pic>
+      <p:pic>
+        <p:nvPicPr>
+          <p:cNvPr id="8" name="Picture 7"/>
+          <p:cNvPicPr>
+            <a:picLocks noChangeAspect="1"/>
+          </p:cNvPicPr>
+          <p:nvPr/>
+        </p:nvPicPr>
+        <p:blipFill>
+          <a:blip r:embed="rId6">
+            <a:extLst>
+              <a:ext uri="{28A0092B-C50C-407E-A947-70E740481C1C}">
+                <a14:useLocalDpi xmlns:a14="http://schemas.microsoft.com/office/drawing/2010/main" val="0"/>
+              </a:ext>
+            </a:extLst>
+          </a:blip>
+          <a:stretch>
+            <a:fillRect/>
+          </a:stretch>
+        </p:blipFill>
+        <p:spPr>
+          <a:xfrm>
+            <a:off x="6540127" y="1667206"/>
+            <a:ext cx="1836494" cy="1076196"/>
+          </a:xfrm>
+          <a:prstGeom prst="rect">
+            <a:avLst/>
+          </a:prstGeom>
+        </p:spPr>
+      </p:pic>
+      <p:sp>
+        <p:nvSpPr>
+          <p:cNvPr id="10" name="TextBox 9"/>
+          <p:cNvSpPr txBox="1"/>
+          <p:nvPr/>
+        </p:nvSpPr>
+        <p:spPr>
+          <a:xfrm>
+            <a:off x="2756848" y="2743402"/>
+            <a:ext cx="494105" cy="461665"/>
+          </a:xfrm>
+          <a:prstGeom prst="rect">
+            <a:avLst/>
+          </a:prstGeom>
+          <a:noFill/>
+        </p:spPr>
+        <p:txBody>
+          <a:bodyPr wrap="square" rtlCol="0">
+            <a:spAutoFit/>
+          </a:bodyPr>
+          <a:lstStyle/>
+          <a:p>
+            <a:r>
+              <a:rPr lang="en-US" sz="2400" dirty="0" smtClean="0"/>
+              <a:t>+</a:t>
+            </a:r>
+            <a:endParaRPr lang="en-US" dirty="0"/>
+          </a:p>
+        </p:txBody>
+      </p:sp>
+      <p:cxnSp>
+        <p:nvCxnSpPr>
+          <p:cNvPr id="12" name="Straight Arrow Connector 11"/>
+          <p:cNvCxnSpPr>
+            <a:stCxn id="7" idx="3"/>
+            <a:endCxn id="9" idx="1"/>
+          </p:cNvCxnSpPr>
+          <p:nvPr/>
+        </p:nvCxnSpPr>
+        <p:spPr>
+          <a:xfrm>
+            <a:off x="5759999" y="2989660"/>
+            <a:ext cx="336002" cy="0"/>
+          </a:xfrm>
+          <a:prstGeom prst="straightConnector1">
+            <a:avLst/>
+          </a:prstGeom>
+          <a:ln w="57150">
+            <a:tailEnd type="triangle"/>
+          </a:ln>
+        </p:spPr>
+        <p:style>
+          <a:lnRef idx="1">
+            <a:schemeClr val="dk1"/>
+          </a:lnRef>
+          <a:fillRef idx="0">
+            <a:schemeClr val="dk1"/>
+          </a:fillRef>
+          <a:effectRef idx="0">
+            <a:schemeClr val="dk1"/>
+          </a:effectRef>
+          <a:fontRef idx="minor">
+            <a:schemeClr val="tx1"/>
+          </a:fontRef>
+        </p:style>
+      </p:cxnSp>
+      <p:pic>
+        <p:nvPicPr>
+          <p:cNvPr id="14" name="Picture 13"/>
+          <p:cNvPicPr>
+            <a:picLocks noChangeAspect="1"/>
+          </p:cNvPicPr>
+          <p:nvPr/>
+        </p:nvPicPr>
+        <p:blipFill>
+          <a:blip r:embed="rId7">
+            <a:extLst>
+              <a:ext uri="{BEBA8EAE-BF5A-486C-A8C5-ECC9F3942E4B}">
+                <a14:imgProps xmlns:a14="http://schemas.microsoft.com/office/drawing/2010/main">
+                  <a14:imgLayer r:embed="rId8">
+                    <a14:imgEffect>
+                      <a14:backgroundRemoval t="0" b="98718" l="0" r="99497">
+                        <a14:backgroundMark x1="40452" y1="74908" x2="40452" y2="74908"/>
+                        <a14:backgroundMark x1="17462" y1="56044" x2="17462" y2="56044"/>
+                        <a14:backgroundMark x1="73367" y1="27289" x2="73367" y2="27289"/>
+                        <a14:backgroundMark x1="52513" y1="14286" x2="52513" y2="14286"/>
+                        <a14:backgroundMark x1="86181" y1="45971" x2="86181" y2="45971"/>
+                        <a14:backgroundMark x1="64070" y1="35714" x2="64070" y2="35714"/>
+                        <a14:backgroundMark x1="43719" y1="21612" x2="43719" y2="21612"/>
+                        <a14:backgroundMark x1="37940" y1="14835" x2="37940" y2="14835"/>
+                        <a14:backgroundMark x1="11683" y1="38828" x2="11683" y2="38828"/>
+                        <a14:backgroundMark x1="29523" y1="54945" x2="29523" y2="54945"/>
+                        <a14:backgroundMark x1="22990" y1="68498" x2="22990" y2="68498"/>
+                        <a14:backgroundMark x1="10930" y1="79853" x2="10930" y2="79853"/>
+                        <a14:backgroundMark x1="31281" y1="85531" x2="31281" y2="85531"/>
+                        <a14:backgroundMark x1="46357" y1="88462" x2="46357" y2="88462"/>
+                        <a14:backgroundMark x1="61558" y1="85531" x2="61558" y2="85531"/>
+                        <a14:backgroundMark x1="71106" y1="89011" x2="71106" y2="89011"/>
+                        <a14:backgroundMark x1="56658" y1="78755" x2="56658" y2="78755"/>
+                        <a14:backgroundMark x1="43844" y1="70147" x2="43844" y2="70147"/>
+                        <a14:backgroundMark x1="82161" y1="65751" x2="82161" y2="65751"/>
+                        <a14:backgroundMark x1="75377" y1="45971" x2="75377" y2="45971"/>
+                        <a14:backgroundMark x1="81533" y1="39744" x2="81533" y2="39744"/>
+                        <a14:backgroundMark x1="86181" y1="25824" x2="86558" y2="21612"/>
+                        <a14:backgroundMark x1="78266" y1="6410" x2="77764" y2="5678"/>
+                        <a14:backgroundMark x1="71357" y1="8791" x2="71357" y2="8791"/>
+                        <a14:backgroundMark x1="55025" y1="22161" x2="55025" y2="22161"/>
+                        <a14:backgroundMark x1="55025" y1="22161" x2="55025" y2="22161"/>
+                        <a14:backgroundMark x1="53392" y1="22161" x2="53392" y2="22161"/>
+                        <a14:backgroundMark x1="50377" y1="18498" x2="50377" y2="18498"/>
+                        <a14:backgroundMark x1="47487" y1="17399" x2="47487" y2="17399"/>
+                        <a14:backgroundMark x1="42965" y1="14469" x2="42965" y2="14469"/>
+                        <a14:backgroundMark x1="27638" y1="6044" x2="27638" y2="6044"/>
+                        <a14:backgroundMark x1="25503" y1="7875" x2="25503" y2="7875"/>
+                        <a14:backgroundMark x1="30779" y1="13187" x2="30779" y2="13187"/>
+                        <a14:backgroundMark x1="32663" y1="10256" x2="32663" y2="10256"/>
+                        <a14:backgroundMark x1="39573" y1="6410" x2="39573" y2="6410"/>
+                        <a14:backgroundMark x1="48367" y1="6960" x2="48367" y2="6960"/>
+                        <a14:backgroundMark x1="59548" y1="7875" x2="61935" y2="8425"/>
+                        <a14:backgroundMark x1="62060" y1="8791" x2="62060" y2="8791"/>
+                        <a14:backgroundMark x1="66709" y1="20330" x2="66709" y2="21612"/>
+                        <a14:backgroundMark x1="66709" y1="21612" x2="66709" y2="21612"/>
+                        <a14:backgroundMark x1="66709" y1="21612" x2="75503" y2="25092"/>
+                        <a14:backgroundMark x1="75754" y1="25092" x2="75754" y2="25092"/>
+                        <a14:backgroundMark x1="77889" y1="25824" x2="78769" y2="26007"/>
+                        <a14:backgroundMark x1="78769" y1="26374" x2="78769" y2="26374"/>
+                        <a14:backgroundMark x1="79146" y1="26374" x2="79146" y2="26374"/>
+                        <a14:backgroundMark x1="79146" y1="26374" x2="79146" y2="26374"/>
+                        <a14:backgroundMark x1="79146" y1="26374" x2="79146" y2="26374"/>
+                        <a14:backgroundMark x1="79146" y1="26374" x2="80276" y2="28755"/>
+                        <a14:backgroundMark x1="80402" y1="28755" x2="80402" y2="28755"/>
+                        <a14:backgroundMark x1="85678" y1="34799" x2="86935" y2="36264"/>
+                        <a14:backgroundMark x1="86935" y1="36264" x2="86935" y2="36264"/>
+                        <a14:backgroundMark x1="86935" y1="36264" x2="86935" y2="36264"/>
+                        <a14:backgroundMark x1="86935" y1="36264" x2="86935" y2="36264"/>
+                        <a14:backgroundMark x1="86935" y1="36264" x2="87437" y2="36996"/>
+                        <a14:backgroundMark x1="97487" y1="90293" x2="20854" y2="6410"/>
+                        <a14:backgroundMark x1="20854" y1="6410" x2="94849" y2="7143"/>
+                        <a14:backgroundMark x1="94849" y1="7143" x2="97362" y2="88462"/>
+                      </a14:backgroundRemoval>
+                    </a14:imgEffect>
+                  </a14:imgLayer>
+                </a14:imgProps>
+              </a:ext>
+              <a:ext uri="{28A0092B-C50C-407E-A947-70E740481C1C}">
+                <a14:useLocalDpi xmlns:a14="http://schemas.microsoft.com/office/drawing/2010/main" val="0"/>
+              </a:ext>
+            </a:extLst>
+          </a:blip>
+          <a:stretch>
+            <a:fillRect/>
+          </a:stretch>
+        </p:blipFill>
+        <p:spPr>
+          <a:xfrm rot="2007843" flipH="1">
+            <a:off x="2518459" y="4473648"/>
+            <a:ext cx="4108672" cy="2818260"/>
+          </a:xfrm>
+          <a:prstGeom prst="rect">
+            <a:avLst/>
+          </a:prstGeom>
+        </p:spPr>
+      </p:pic>
+      <p:cxnSp>
+        <p:nvCxnSpPr>
+          <p:cNvPr id="18" name="Straight Arrow Connector 17"/>
+          <p:cNvCxnSpPr>
+            <a:endCxn id="16" idx="3"/>
+          </p:cNvCxnSpPr>
+          <p:nvPr/>
+        </p:nvCxnSpPr>
+        <p:spPr>
+          <a:xfrm flipH="1">
+            <a:off x="7063601" y="5882778"/>
+            <a:ext cx="394773" cy="11373"/>
+          </a:xfrm>
+          <a:prstGeom prst="straightConnector1">
+            <a:avLst/>
+          </a:prstGeom>
+          <a:ln w="57150">
+            <a:solidFill>
+              <a:schemeClr val="tx1"/>
+            </a:solidFill>
+            <a:tailEnd type="triangle"/>
+          </a:ln>
+        </p:spPr>
+        <p:style>
+          <a:lnRef idx="1">
+            <a:schemeClr val="accent1"/>
+          </a:lnRef>
+          <a:fillRef idx="0">
+            <a:schemeClr val="accent1"/>
+          </a:fillRef>
+          <a:effectRef idx="0">
+            <a:schemeClr val="accent1"/>
+          </a:effectRef>
+          <a:fontRef idx="minor">
+            <a:schemeClr val="tx1"/>
+          </a:fontRef>
+        </p:style>
+      </p:cxnSp>
+      <p:cxnSp>
+        <p:nvCxnSpPr>
+          <p:cNvPr id="22" name="Straight Connector 21"/>
+          <p:cNvCxnSpPr>
+            <a:endCxn id="9" idx="2"/>
+          </p:cNvCxnSpPr>
+          <p:nvPr/>
+        </p:nvCxnSpPr>
+        <p:spPr>
+          <a:xfrm flipV="1">
+            <a:off x="7458374" y="4836319"/>
+            <a:ext cx="1" cy="1057832"/>
+          </a:xfrm>
+          <a:prstGeom prst="line">
+            <a:avLst/>
+          </a:prstGeom>
+          <a:ln w="57150">
+            <a:solidFill>
+              <a:schemeClr val="tx1"/>
+            </a:solidFill>
+          </a:ln>
+        </p:spPr>
+        <p:style>
+          <a:lnRef idx="1">
+            <a:schemeClr val="accent1"/>
+          </a:lnRef>
+          <a:fillRef idx="0">
+            <a:schemeClr val="accent1"/>
+          </a:fillRef>
+          <a:effectRef idx="0">
+            <a:schemeClr val="accent1"/>
+          </a:effectRef>
+          <a:fontRef idx="minor">
+            <a:schemeClr val="tx1"/>
+          </a:fontRef>
+        </p:style>
+      </p:cxnSp>
     </p:spTree>
     <p:extLst>
       <p:ext uri="{BB962C8B-B14F-4D97-AF65-F5344CB8AC3E}">
@@ -5927,22 +6927,279 @@
           <a:p>
             <a:r>
               <a:rPr lang="en-US" dirty="0" smtClean="0"/>
-              <a:t>Calibration – </a:t>
-            </a:r>
+              <a:t>Air Data System Integration</a:t>
+            </a:r>
+            <a:endParaRPr lang="en-US" dirty="0"/>
+          </a:p>
+        </p:txBody>
+      </p:sp>
+      <p:pic>
+        <p:nvPicPr>
+          <p:cNvPr id="6" name="Content Placeholder 5"/>
+          <p:cNvPicPr>
+            <a:picLocks noGrp="1" noChangeAspect="1"/>
+          </p:cNvPicPr>
+          <p:nvPr>
+            <p:ph idx="1"/>
+          </p:nvPr>
+        </p:nvPicPr>
+        <p:blipFill>
+          <a:blip r:embed="rId2">
+            <a:extLst>
+              <a:ext uri="{28A0092B-C50C-407E-A947-70E740481C1C}">
+                <a14:useLocalDpi xmlns:a14="http://schemas.microsoft.com/office/drawing/2010/main" val="0"/>
+              </a:ext>
+            </a:extLst>
+          </a:blip>
+          <a:stretch>
+            <a:fillRect/>
+          </a:stretch>
+        </p:blipFill>
+        <p:spPr>
+          <a:xfrm>
+            <a:off x="5486401" y="1628774"/>
+            <a:ext cx="3070922" cy="2071688"/>
+          </a:xfrm>
+        </p:spPr>
+      </p:pic>
+      <p:sp>
+        <p:nvSpPr>
+          <p:cNvPr id="7" name="Rectangle 6"/>
+          <p:cNvSpPr/>
+          <p:nvPr/>
+        </p:nvSpPr>
+        <p:spPr>
+          <a:xfrm>
+            <a:off x="694615" y="4018161"/>
+            <a:ext cx="4102016" cy="2488406"/>
+          </a:xfrm>
+          <a:prstGeom prst="rect">
+            <a:avLst/>
+          </a:prstGeom>
+        </p:spPr>
+        <p:style>
+          <a:lnRef idx="2">
+            <a:schemeClr val="accent1">
+              <a:shade val="50000"/>
+            </a:schemeClr>
+          </a:lnRef>
+          <a:fillRef idx="1">
+            <a:schemeClr val="accent1"/>
+          </a:fillRef>
+          <a:effectRef idx="0">
+            <a:schemeClr val="accent1"/>
+          </a:effectRef>
+          <a:fontRef idx="minor">
+            <a:schemeClr val="lt1"/>
+          </a:fontRef>
+        </p:style>
+        <p:txBody>
+          <a:bodyPr rtlCol="0" anchor="ctr"/>
+          <a:lstStyle/>
+          <a:p>
+            <a:pPr algn="ctr"/>
+            <a:r>
+              <a:rPr lang="en-US" dirty="0" smtClean="0"/>
+              <a:t>Top View of air data system</a:t>
+            </a:r>
+            <a:endParaRPr lang="en-US" dirty="0"/>
+          </a:p>
+        </p:txBody>
+      </p:sp>
+      <p:sp>
+        <p:nvSpPr>
+          <p:cNvPr id="8" name="Rectangle 7"/>
+          <p:cNvSpPr/>
+          <p:nvPr/>
+        </p:nvSpPr>
+        <p:spPr>
+          <a:xfrm>
+            <a:off x="694615" y="1483122"/>
+            <a:ext cx="4102016" cy="2277665"/>
+          </a:xfrm>
+          <a:prstGeom prst="rect">
+            <a:avLst/>
+          </a:prstGeom>
+        </p:spPr>
+        <p:style>
+          <a:lnRef idx="2">
+            <a:schemeClr val="accent1">
+              <a:shade val="50000"/>
+            </a:schemeClr>
+          </a:lnRef>
+          <a:fillRef idx="1">
+            <a:schemeClr val="accent1"/>
+          </a:fillRef>
+          <a:effectRef idx="0">
+            <a:schemeClr val="accent1"/>
+          </a:effectRef>
+          <a:fontRef idx="minor">
+            <a:schemeClr val="lt1"/>
+          </a:fontRef>
+        </p:style>
+        <p:txBody>
+          <a:bodyPr rtlCol="0" anchor="ctr"/>
+          <a:lstStyle/>
+          <a:p>
+            <a:pPr algn="ctr"/>
+            <a:r>
+              <a:rPr lang="en-US" dirty="0" err="1" smtClean="0"/>
+              <a:t>Iso</a:t>
+            </a:r>
+            <a:r>
+              <a:rPr lang="en-US" dirty="0" smtClean="0"/>
+              <a:t> view of air data system</a:t>
+            </a:r>
+            <a:endParaRPr lang="en-US" dirty="0"/>
+          </a:p>
+        </p:txBody>
+      </p:sp>
+      <p:sp>
+        <p:nvSpPr>
+          <p:cNvPr id="9" name="Rectangle 8"/>
+          <p:cNvSpPr/>
+          <p:nvPr/>
+        </p:nvSpPr>
+        <p:spPr>
+          <a:xfrm>
+            <a:off x="5457826" y="4078685"/>
+            <a:ext cx="3375722" cy="2277665"/>
+          </a:xfrm>
+          <a:prstGeom prst="rect">
+            <a:avLst/>
+          </a:prstGeom>
+        </p:spPr>
+        <p:style>
+          <a:lnRef idx="2">
+            <a:schemeClr val="accent1">
+              <a:shade val="50000"/>
+            </a:schemeClr>
+          </a:lnRef>
+          <a:fillRef idx="1">
+            <a:schemeClr val="accent1"/>
+          </a:fillRef>
+          <a:effectRef idx="0">
+            <a:schemeClr val="accent1"/>
+          </a:effectRef>
+          <a:fontRef idx="minor">
+            <a:schemeClr val="lt1"/>
+          </a:fontRef>
+        </p:style>
+        <p:txBody>
+          <a:bodyPr rtlCol="0" anchor="ctr"/>
+          <a:lstStyle/>
+          <a:p>
+            <a:pPr algn="ctr"/>
             <a:r>
               <a:rPr lang="en-US" dirty="0" err="1" smtClean="0"/>
               <a:t>Accel</a:t>
             </a:r>
             <a:r>
               <a:rPr lang="en-US" dirty="0" smtClean="0"/>
+              <a:t> mounted to aluminum block</a:t>
+            </a:r>
+            <a:endParaRPr lang="en-US" dirty="0"/>
+          </a:p>
+        </p:txBody>
+      </p:sp>
+    </p:spTree>
+    <p:extLst>
+      <p:ext uri="{BB962C8B-B14F-4D97-AF65-F5344CB8AC3E}">
+        <p14:creationId xmlns:p14="http://schemas.microsoft.com/office/powerpoint/2010/main" val="843626902"/>
+      </p:ext>
+    </p:extLst>
+  </p:cSld>
+  <p:clrMapOvr>
+    <a:masterClrMapping/>
+  </p:clrMapOvr>
+  <p:timing>
+    <p:tnLst>
+      <p:par>
+        <p:cTn id="1" dur="indefinite" restart="never" nodeType="tmRoot"/>
+      </p:par>
+    </p:tnLst>
+  </p:timing>
+</p:sld>
+</file>
+
+<file path=ppt/slides/slide15.xml><?xml version="1.0" encoding="utf-8"?>
+<p:sld xmlns:a="http://schemas.openxmlformats.org/drawingml/2006/main" xmlns:r="http://schemas.openxmlformats.org/officeDocument/2006/relationships" xmlns:p="http://schemas.openxmlformats.org/presentationml/2006/main">
+  <p:cSld>
+    <p:spTree>
+      <p:nvGrpSpPr>
+        <p:cNvPr id="1" name=""/>
+        <p:cNvGrpSpPr/>
+        <p:nvPr/>
+      </p:nvGrpSpPr>
+      <p:grpSpPr>
+        <a:xfrm>
+          <a:off x="0" y="0"/>
+          <a:ext cx="0" cy="0"/>
+          <a:chOff x="0" y="0"/>
+          <a:chExt cx="0" cy="0"/>
+        </a:xfrm>
+      </p:grpSpPr>
+      <p:sp>
+        <p:nvSpPr>
+          <p:cNvPr id="2" name="Slide Number Placeholder 1"/>
+          <p:cNvSpPr>
+            <a:spLocks noGrp="1"/>
+          </p:cNvSpPr>
+          <p:nvPr>
+            <p:ph type="sldNum" sz="quarter" idx="12"/>
+          </p:nvPr>
+        </p:nvSpPr>
+        <p:spPr/>
+        <p:txBody>
+          <a:bodyPr/>
+          <a:lstStyle/>
+          <a:p>
+            <a:fld id="{6BCAC070-90C4-4891-B61D-499612844E0C}" type="slidenum">
+              <a:rPr lang="en-US" smtClean="0"/>
+              <a:pPr/>
+              <a:t>15</a:t>
+            </a:fld>
+            <a:r>
+              <a:rPr lang="en-US" smtClean="0"/>
+              <a:t>/20</a:t>
+            </a:r>
+            <a:endParaRPr lang="en-US" dirty="0"/>
+          </a:p>
+        </p:txBody>
+      </p:sp>
+      <p:sp>
+        <p:nvSpPr>
+          <p:cNvPr id="3" name="Title 2"/>
+          <p:cNvSpPr>
+            <a:spLocks noGrp="1"/>
+          </p:cNvSpPr>
+          <p:nvPr>
+            <p:ph type="title"/>
+          </p:nvPr>
+        </p:nvSpPr>
+        <p:spPr/>
+        <p:txBody>
+          <a:bodyPr/>
+          <a:lstStyle/>
+          <a:p>
+            <a:r>
+              <a:rPr lang="en-US" dirty="0" smtClean="0"/>
+              <a:t>Calibration – </a:t>
+            </a:r>
+            <a:r>
+              <a:rPr lang="en-US" dirty="0" err="1" smtClean="0"/>
+              <a:t>Accel</a:t>
+            </a:r>
+            <a:r>
+              <a:rPr lang="en-US" dirty="0" smtClean="0"/>
               <a:t>/Gyro</a:t>
             </a:r>
             <a:endParaRPr lang="en-US" dirty="0"/>
           </a:p>
         </p:txBody>
       </p:sp>
-      <mc:AlternateContent xmlns:mc="http://schemas.openxmlformats.org/markup-compatibility/2006">
-        <mc:Choice xmlns:a14="http://schemas.microsoft.com/office/drawing/2010/main" Requires="a14">
+      <mc:AlternateContent xmlns:mc="http://schemas.openxmlformats.org/markup-compatibility/2006" xmlns:a14="http://schemas.microsoft.com/office/drawing/2010/main">
+        <mc:Choice Requires="a14">
           <p:sp>
             <p:nvSpPr>
               <p:cNvPr id="4" name="Content Placeholder 3"/>
@@ -6062,14 +7319,21 @@
                                 </a:rPr>
                                 <m:t>𝑚𝑎𝑔</m:t>
                               </m:r>
-                              <m:d>
-                                <m:dPr>
+                              <m:r>
+                                <a:rPr lang="en-US" sz="1800" b="0" i="1" smtClean="0">
+                                  <a:latin typeface="Cambria Math" panose="02040503050406030204" pitchFamily="18" charset="0"/>
+                                </a:rPr>
+                                <m:t>(</m:t>
+                              </m:r>
+                              <m:acc>
+                                <m:accPr>
+                                  <m:chr m:val="⃑"/>
                                   <m:ctrlPr>
                                     <a:rPr lang="en-US" sz="1800" b="0" i="1" smtClean="0">
                                       <a:latin typeface="Cambria Math" panose="02040503050406030204" pitchFamily="18" charset="0"/>
                                     </a:rPr>
                                   </m:ctrlPr>
-                                </m:dPr>
+                                </m:accPr>
                                 <m:e>
                                   <m:r>
                                     <a:rPr lang="en-US" sz="1800" b="0" i="1" smtClean="0">
@@ -6078,12 +7342,12 @@
                                     <m:t>𝑎</m:t>
                                   </m:r>
                                 </m:e>
-                              </m:d>
+                              </m:acc>
                               <m:r>
                                 <a:rPr lang="en-US" sz="1800" b="0" i="1" smtClean="0">
                                   <a:latin typeface="Cambria Math" panose="02040503050406030204" pitchFamily="18" charset="0"/>
                                 </a:rPr>
-                                <m:t>−1</m:t>
+                                <m:t>)−1</m:t>
                               </m:r>
                               <m:r>
                                 <a:rPr lang="en-US" sz="1800" b="0" i="1" smtClean="0">
@@ -6482,7 +7746,7 @@
             </p:txBody>
           </p:sp>
         </mc:Choice>
-        <mc:Fallback>
+        <mc:Fallback xmlns="">
           <p:sp>
             <p:nvSpPr>
               <p:cNvPr id="4" name="Content Placeholder 3"/>
@@ -6574,7 +7838,7 @@
 </p:sld>
 </file>
 
-<file path=ppt/slides/slide15.xml><?xml version="1.0" encoding="utf-8"?>
+<file path=ppt/slides/slide16.xml><?xml version="1.0" encoding="utf-8"?>
 <p:sld xmlns:a="http://schemas.openxmlformats.org/drawingml/2006/main" xmlns:r="http://schemas.openxmlformats.org/officeDocument/2006/relationships" xmlns:p="http://schemas.openxmlformats.org/presentationml/2006/main">
   <p:cSld>
     <p:spTree>
@@ -6609,7 +7873,7 @@
             <a:fld id="{6BCAC070-90C4-4891-B61D-499612844E0C}" type="slidenum">
               <a:rPr lang="en-US" smtClean="0"/>
               <a:pPr/>
-              <a:t>15</a:t>
+              <a:t>16</a:t>
             </a:fld>
             <a:r>
               <a:rPr lang="en-US" smtClean="0"/>
@@ -6642,8 +7906,8 @@
           </a:p>
         </p:txBody>
       </p:sp>
-      <mc:AlternateContent xmlns:mc="http://schemas.openxmlformats.org/markup-compatibility/2006">
-        <mc:Choice xmlns:a14="http://schemas.microsoft.com/office/drawing/2010/main" Requires="a14">
+      <mc:AlternateContent xmlns:mc="http://schemas.openxmlformats.org/markup-compatibility/2006" xmlns:a14="http://schemas.microsoft.com/office/drawing/2010/main">
+        <mc:Choice Requires="a14">
           <p:sp>
             <p:nvSpPr>
               <p:cNvPr id="4" name="Content Placeholder 3"/>
@@ -6856,7 +8120,7 @@
             </p:txBody>
           </p:sp>
         </mc:Choice>
-        <mc:Fallback>
+        <mc:Fallback xmlns="">
           <p:sp>
             <p:nvSpPr>
               <p:cNvPr id="4" name="Content Placeholder 3"/>
@@ -6948,123 +8212,6 @@
 </p:sld>
 </file>
 
-<file path=ppt/slides/slide16.xml><?xml version="1.0" encoding="utf-8"?>
-<p:sld xmlns:a="http://schemas.openxmlformats.org/drawingml/2006/main" xmlns:r="http://schemas.openxmlformats.org/officeDocument/2006/relationships" xmlns:p="http://schemas.openxmlformats.org/presentationml/2006/main">
-  <p:cSld>
-    <p:spTree>
-      <p:nvGrpSpPr>
-        <p:cNvPr id="1" name=""/>
-        <p:cNvGrpSpPr/>
-        <p:nvPr/>
-      </p:nvGrpSpPr>
-      <p:grpSpPr>
-        <a:xfrm>
-          <a:off x="0" y="0"/>
-          <a:ext cx="0" cy="0"/>
-          <a:chOff x="0" y="0"/>
-          <a:chExt cx="0" cy="0"/>
-        </a:xfrm>
-      </p:grpSpPr>
-      <p:sp>
-        <p:nvSpPr>
-          <p:cNvPr id="2" name="Slide Number Placeholder 1"/>
-          <p:cNvSpPr>
-            <a:spLocks noGrp="1"/>
-          </p:cNvSpPr>
-          <p:nvPr>
-            <p:ph type="sldNum" sz="quarter" idx="12"/>
-          </p:nvPr>
-        </p:nvSpPr>
-        <p:spPr/>
-        <p:txBody>
-          <a:bodyPr/>
-          <a:lstStyle/>
-          <a:p>
-            <a:fld id="{6BCAC070-90C4-4891-B61D-499612844E0C}" type="slidenum">
-              <a:rPr lang="en-US" smtClean="0"/>
-              <a:pPr/>
-              <a:t>16</a:t>
-            </a:fld>
-            <a:r>
-              <a:rPr lang="en-US" smtClean="0"/>
-              <a:t>/20</a:t>
-            </a:r>
-            <a:endParaRPr lang="en-US" dirty="0"/>
-          </a:p>
-        </p:txBody>
-      </p:sp>
-      <p:sp>
-        <p:nvSpPr>
-          <p:cNvPr id="3" name="Title 2"/>
-          <p:cNvSpPr>
-            <a:spLocks noGrp="1"/>
-          </p:cNvSpPr>
-          <p:nvPr>
-            <p:ph type="title"/>
-          </p:nvPr>
-        </p:nvSpPr>
-        <p:spPr/>
-        <p:txBody>
-          <a:bodyPr/>
-          <a:lstStyle/>
-          <a:p>
-            <a:r>
-              <a:rPr lang="en-US" dirty="0" smtClean="0"/>
-              <a:t>Air Data System Integration</a:t>
-            </a:r>
-            <a:endParaRPr lang="en-US" dirty="0"/>
-          </a:p>
-        </p:txBody>
-      </p:sp>
-      <p:pic>
-        <p:nvPicPr>
-          <p:cNvPr id="6" name="Content Placeholder 5"/>
-          <p:cNvPicPr>
-            <a:picLocks noGrp="1" noChangeAspect="1"/>
-          </p:cNvPicPr>
-          <p:nvPr>
-            <p:ph idx="1"/>
-          </p:nvPr>
-        </p:nvPicPr>
-        <p:blipFill>
-          <a:blip r:embed="rId2">
-            <a:extLst>
-              <a:ext uri="{28A0092B-C50C-407E-A947-70E740481C1C}">
-                <a14:useLocalDpi xmlns:a14="http://schemas.microsoft.com/office/drawing/2010/main" val="0"/>
-              </a:ext>
-            </a:extLst>
-          </a:blip>
-          <a:stretch>
-            <a:fillRect/>
-          </a:stretch>
-        </p:blipFill>
-        <p:spPr>
-          <a:xfrm>
-            <a:off x="5631920" y="4038600"/>
-            <a:ext cx="3070922" cy="2071688"/>
-          </a:xfrm>
-        </p:spPr>
-      </p:pic>
-    </p:spTree>
-    <p:extLst>
-      <p:ext uri="{BB962C8B-B14F-4D97-AF65-F5344CB8AC3E}">
-        <p14:creationId xmlns:p14="http://schemas.microsoft.com/office/powerpoint/2010/main" val="843626902"/>
-      </p:ext>
-    </p:extLst>
-  </p:cSld>
-  <p:clrMapOvr>
-    <a:masterClrMapping/>
-  </p:clrMapOvr>
-  <p:timing>
-    <p:tnLst>
-      <p:par>
-        <p:cTn id="1" dur="indefinite" restart="never" nodeType="tmRoot"/>
-      </p:par>
-    </p:tnLst>
-  </p:timing>
-</p:sld>
-</file>
-
 <file path=ppt/slides/slide17.xml><?xml version="1.0" encoding="utf-8"?>
 <p:sld xmlns:a="http://schemas.openxmlformats.org/drawingml/2006/main" xmlns:r="http://schemas.openxmlformats.org/officeDocument/2006/relationships" xmlns:p="http://schemas.openxmlformats.org/presentationml/2006/main">
   <p:cSld>
@@ -7133,8 +8280,8 @@
           </a:p>
         </p:txBody>
       </p:sp>
-      <mc:AlternateContent xmlns:mc="http://schemas.openxmlformats.org/markup-compatibility/2006">
-        <mc:Choice xmlns:a14="http://schemas.microsoft.com/office/drawing/2010/main" Requires="a14">
+      <mc:AlternateContent xmlns:mc="http://schemas.openxmlformats.org/markup-compatibility/2006" xmlns:a14="http://schemas.microsoft.com/office/drawing/2010/main">
+        <mc:Choice Requires="a14">
           <p:sp>
             <p:nvSpPr>
               <p:cNvPr id="4" name="Content Placeholder 3"/>
@@ -7345,11 +8492,7 @@
                 </a:r>
                 <a:r>
                   <a:rPr lang="en-US" dirty="0" err="1" smtClean="0"/>
-                  <a:t>nVision</a:t>
-                </a:r>
-                <a:r>
-                  <a:rPr lang="en-US" dirty="0" err="1" smtClean="0"/>
-                  <a:t>’s</a:t>
+                  <a:t>nVision’s</a:t>
                 </a:r>
                 <a:r>
                   <a:rPr lang="en-US" dirty="0" smtClean="0"/>
@@ -7361,7 +8504,6 @@
                   <a:rPr lang="en-US" dirty="0" smtClean="0"/>
                   <a:t>Angles calibrated to pressures from the manufacturer</a:t>
                 </a:r>
-                <a:endParaRPr lang="en-US" dirty="0" smtClean="0"/>
               </a:p>
               <a:p>
                 <a:pPr marL="0" indent="0">
@@ -7372,7 +8514,7 @@
             </p:txBody>
           </p:sp>
         </mc:Choice>
-        <mc:Fallback>
+        <mc:Fallback xmlns="">
           <p:sp>
             <p:nvSpPr>
               <p:cNvPr id="4" name="Content Placeholder 3"/>
@@ -7601,25 +8743,75 @@
           </a:p>
         </p:txBody>
       </p:sp>
-      <p:sp>
-        <p:nvSpPr>
-          <p:cNvPr id="4" name="Content Placeholder 3"/>
-          <p:cNvSpPr>
-            <a:spLocks noGrp="1"/>
-          </p:cNvSpPr>
+      <p:pic>
+        <p:nvPicPr>
+          <p:cNvPr id="5" name="Content Placeholder 4"/>
+          <p:cNvPicPr>
+            <a:picLocks noGrp="1" noChangeAspect="1"/>
+          </p:cNvPicPr>
           <p:nvPr>
             <p:ph idx="1"/>
           </p:nvPr>
-        </p:nvSpPr>
-        <p:spPr/>
-        <p:txBody>
-          <a:bodyPr/>
-          <a:lstStyle/>
-          <a:p>
-            <a:endParaRPr lang="en-US"/>
-          </a:p>
-        </p:txBody>
-      </p:sp>
+        </p:nvPicPr>
+        <p:blipFill>
+          <a:blip r:embed="rId2" cstate="print">
+            <a:extLst>
+              <a:ext uri="{28A0092B-C50C-407E-A947-70E740481C1C}">
+                <a14:useLocalDpi xmlns:a14="http://schemas.microsoft.com/office/drawing/2010/main" val="0"/>
+              </a:ext>
+            </a:extLst>
+          </a:blip>
+          <a:stretch>
+            <a:fillRect/>
+          </a:stretch>
+        </p:blipFill>
+        <p:spPr>
+          <a:xfrm>
+            <a:off x="4724401" y="1871275"/>
+            <a:ext cx="4267199" cy="3200400"/>
+          </a:xfrm>
+          <a:ln w="3175">
+            <a:solidFill>
+              <a:schemeClr val="tx1"/>
+            </a:solidFill>
+          </a:ln>
+        </p:spPr>
+      </p:pic>
+      <p:pic>
+        <p:nvPicPr>
+          <p:cNvPr id="6" name="Picture 5"/>
+          <p:cNvPicPr>
+            <a:picLocks noChangeAspect="1"/>
+          </p:cNvPicPr>
+          <p:nvPr/>
+        </p:nvPicPr>
+        <p:blipFill>
+          <a:blip r:embed="rId3" cstate="print">
+            <a:extLst>
+              <a:ext uri="{28A0092B-C50C-407E-A947-70E740481C1C}">
+                <a14:useLocalDpi xmlns:a14="http://schemas.microsoft.com/office/drawing/2010/main" val="0"/>
+              </a:ext>
+            </a:extLst>
+          </a:blip>
+          <a:stretch>
+            <a:fillRect/>
+          </a:stretch>
+        </p:blipFill>
+        <p:spPr>
+          <a:xfrm>
+            <a:off x="184969" y="1871275"/>
+            <a:ext cx="4267200" cy="3200400"/>
+          </a:xfrm>
+          <a:prstGeom prst="rect">
+            <a:avLst/>
+          </a:prstGeom>
+          <a:ln w="3175">
+            <a:solidFill>
+              <a:schemeClr val="tx1"/>
+            </a:solidFill>
+          </a:ln>
+        </p:spPr>
+      </p:pic>
     </p:spTree>
     <p:extLst>
       <p:ext uri="{BB962C8B-B14F-4D97-AF65-F5344CB8AC3E}">
@@ -7821,35 +9013,50 @@
           <a:p>
             <a:r>
               <a:rPr lang="en-US" dirty="0" smtClean="0"/>
-              <a:t>Future Work</a:t>
+              <a:t>Flight Crash</a:t>
             </a:r>
             <a:endParaRPr lang="en-US" dirty="0"/>
           </a:p>
         </p:txBody>
       </p:sp>
-      <p:sp>
-        <p:nvSpPr>
-          <p:cNvPr id="4" name="Content Placeholder 3"/>
-          <p:cNvSpPr>
-            <a:spLocks noGrp="1"/>
-          </p:cNvSpPr>
+      <p:pic>
+        <p:nvPicPr>
+          <p:cNvPr id="5" name="Content Placeholder 4"/>
+          <p:cNvPicPr>
+            <a:picLocks noGrp="1" noChangeAspect="1"/>
+          </p:cNvPicPr>
           <p:nvPr>
             <p:ph idx="1"/>
           </p:nvPr>
-        </p:nvSpPr>
-        <p:spPr/>
-        <p:txBody>
-          <a:bodyPr/>
-          <a:lstStyle/>
-          <a:p>
-            <a:endParaRPr lang="en-US"/>
-          </a:p>
-        </p:txBody>
-      </p:sp>
+        </p:nvPicPr>
+        <p:blipFill>
+          <a:blip r:embed="rId2" cstate="print">
+            <a:extLst>
+              <a:ext uri="{28A0092B-C50C-407E-A947-70E740481C1C}">
+                <a14:useLocalDpi xmlns:a14="http://schemas.microsoft.com/office/drawing/2010/main" val="0"/>
+              </a:ext>
+            </a:extLst>
+          </a:blip>
+          <a:stretch>
+            <a:fillRect/>
+          </a:stretch>
+        </p:blipFill>
+        <p:spPr>
+          <a:xfrm>
+            <a:off x="1968944" y="1219200"/>
+            <a:ext cx="5198174" cy="5043488"/>
+          </a:xfrm>
+          <a:ln w="3175">
+            <a:solidFill>
+              <a:schemeClr val="tx1"/>
+            </a:solidFill>
+          </a:ln>
+        </p:spPr>
+      </p:pic>
     </p:spTree>
     <p:extLst>
       <p:ext uri="{BB962C8B-B14F-4D97-AF65-F5344CB8AC3E}">
-        <p14:creationId xmlns:p14="http://schemas.microsoft.com/office/powerpoint/2010/main" val="3986244355"/>
+        <p14:creationId xmlns:p14="http://schemas.microsoft.com/office/powerpoint/2010/main" val="3531746455"/>
       </p:ext>
     </p:extLst>
   </p:cSld>
@@ -7926,7 +9133,11 @@
           <a:bodyPr/>
           <a:lstStyle/>
           <a:p>
-            <a:endParaRPr lang="en-US"/>
+            <a:r>
+              <a:rPr lang="en-US" dirty="0" smtClean="0"/>
+              <a:t>Future Work</a:t>
+            </a:r>
+            <a:endParaRPr lang="en-US" dirty="0"/>
           </a:p>
         </p:txBody>
       </p:sp>
@@ -7952,7 +9163,7 @@
     </p:spTree>
     <p:extLst>
       <p:ext uri="{BB962C8B-B14F-4D97-AF65-F5344CB8AC3E}">
-        <p14:creationId xmlns:p14="http://schemas.microsoft.com/office/powerpoint/2010/main" val="2666318022"/>
+        <p14:creationId xmlns:p14="http://schemas.microsoft.com/office/powerpoint/2010/main" val="3986244355"/>
       </p:ext>
     </p:extLst>
   </p:cSld>
@@ -8172,8 +9383,8 @@
           </a:p>
         </p:txBody>
       </p:sp>
-      <mc:AlternateContent xmlns:mc="http://schemas.openxmlformats.org/markup-compatibility/2006">
-        <mc:Choice xmlns:a14="http://schemas.microsoft.com/office/drawing/2010/main" Requires="a14">
+      <mc:AlternateContent xmlns:mc="http://schemas.openxmlformats.org/markup-compatibility/2006" xmlns:a14="http://schemas.microsoft.com/office/drawing/2010/main">
+        <mc:Choice Requires="a14">
           <p:sp>
             <p:nvSpPr>
               <p:cNvPr id="4" name="Content Placeholder 3"/>
@@ -8614,7 +9825,7 @@
             </p:txBody>
           </p:sp>
         </mc:Choice>
-        <mc:Fallback>
+        <mc:Fallback xmlns="">
           <p:sp>
             <p:nvSpPr>
               <p:cNvPr id="4" name="Content Placeholder 3"/>
@@ -8999,8 +10210,8 @@
           </a:p>
         </p:txBody>
       </p:sp>
-      <mc:AlternateContent xmlns:mc="http://schemas.openxmlformats.org/markup-compatibility/2006">
-        <mc:Choice xmlns:a14="http://schemas.microsoft.com/office/drawing/2010/main" Requires="a14">
+      <mc:AlternateContent xmlns:mc="http://schemas.openxmlformats.org/markup-compatibility/2006" xmlns:a14="http://schemas.microsoft.com/office/drawing/2010/main">
+        <mc:Choice Requires="a14">
           <p:sp>
             <p:nvSpPr>
               <p:cNvPr id="4" name="Content Placeholder 3"/>
@@ -9592,7 +10803,7 @@
             </p:txBody>
           </p:sp>
         </mc:Choice>
-        <mc:Fallback>
+        <mc:Fallback xmlns="">
           <p:sp>
             <p:nvSpPr>
               <p:cNvPr id="4" name="Content Placeholder 3"/>
@@ -9770,13 +10981,13 @@
   <p:clrMapOvr>
     <a:masterClrMapping/>
   </p:clrMapOvr>
-  <mc:AlternateContent xmlns:mc="http://schemas.openxmlformats.org/markup-compatibility/2006">
-    <mc:Choice xmlns:p14="http://schemas.microsoft.com/office/powerpoint/2010/main" Requires="p14">
+  <mc:AlternateContent xmlns:mc="http://schemas.openxmlformats.org/markup-compatibility/2006" xmlns:p14="http://schemas.microsoft.com/office/powerpoint/2010/main">
+    <mc:Choice Requires="p14">
       <p:transition p14:dur="100">
         <p:cut/>
       </p:transition>
     </mc:Choice>
-    <mc:Fallback>
+    <mc:Fallback xmlns="">
       <p:transition>
         <p:cut/>
       </p:transition>
@@ -10325,8 +11536,8 @@
           </a:p>
         </p:txBody>
       </p:sp>
-      <mc:AlternateContent xmlns:mc="http://schemas.openxmlformats.org/markup-compatibility/2006">
-        <mc:Choice xmlns:a14="http://schemas.microsoft.com/office/drawing/2010/main" Requires="a14">
+      <mc:AlternateContent xmlns:mc="http://schemas.openxmlformats.org/markup-compatibility/2006" xmlns:a14="http://schemas.microsoft.com/office/drawing/2010/main">
+        <mc:Choice Requires="a14">
           <p:sp>
             <p:nvSpPr>
               <p:cNvPr id="4" name="Content Placeholder 3"/>
@@ -10502,7 +11713,7 @@
             </p:txBody>
           </p:sp>
         </mc:Choice>
-        <mc:Fallback>
+        <mc:Fallback xmlns="">
           <p:sp>
             <p:nvSpPr>
               <p:cNvPr id="4" name="Content Placeholder 3"/>
@@ -10924,8 +12135,8 @@
         </p:blipFill>
         <p:spPr>
           <a:xfrm>
-            <a:off x="1905000" y="3173563"/>
-            <a:ext cx="5299953" cy="3419325"/>
+            <a:off x="4412742" y="3352800"/>
+            <a:ext cx="4251959" cy="2743200"/>
           </a:xfrm>
           <a:prstGeom prst="rect">
             <a:avLst/>
@@ -10945,8 +12156,8 @@
         </p:nvSpPr>
         <p:spPr>
           <a:xfrm>
-            <a:off x="2404353" y="4883225"/>
-            <a:ext cx="3795007" cy="1709663"/>
+            <a:off x="4641217" y="4572000"/>
+            <a:ext cx="3795007" cy="1570831"/>
           </a:xfrm>
           <a:prstGeom prst="rect">
             <a:avLst/>
@@ -10981,6 +12192,41 @@
           </a:p>
         </p:txBody>
       </p:sp>
+      <p:pic>
+        <p:nvPicPr>
+          <p:cNvPr id="5" name="Picture 4"/>
+          <p:cNvPicPr>
+            <a:picLocks noChangeAspect="1"/>
+          </p:cNvPicPr>
+          <p:nvPr/>
+        </p:nvPicPr>
+        <p:blipFill>
+          <a:blip r:embed="rId4">
+            <a:extLst>
+              <a:ext uri="{28A0092B-C50C-407E-A947-70E740481C1C}">
+                <a14:useLocalDpi xmlns:a14="http://schemas.microsoft.com/office/drawing/2010/main" val="0"/>
+              </a:ext>
+            </a:extLst>
+          </a:blip>
+          <a:stretch>
+            <a:fillRect/>
+          </a:stretch>
+        </p:blipFill>
+        <p:spPr>
+          <a:xfrm>
+            <a:off x="666205" y="3352800"/>
+            <a:ext cx="3503775" cy="2743200"/>
+          </a:xfrm>
+          <a:prstGeom prst="rect">
+            <a:avLst/>
+          </a:prstGeom>
+          <a:ln w="3175">
+            <a:solidFill>
+              <a:schemeClr val="tx1"/>
+            </a:solidFill>
+          </a:ln>
+        </p:spPr>
+      </p:pic>
     </p:spTree>
     <p:extLst>
       <p:ext uri="{BB962C8B-B14F-4D97-AF65-F5344CB8AC3E}">
@@ -11063,7 +12309,11 @@
           <a:p>
             <a:r>
               <a:rPr lang="en-US" dirty="0" smtClean="0"/>
-              <a:t>Simulation Output</a:t>
+              <a:t>Simulation </a:t>
+            </a:r>
+            <a:r>
+              <a:rPr lang="en-US" dirty="0" smtClean="0"/>
+              <a:t>Output – No Noise</a:t>
             </a:r>
             <a:endParaRPr lang="en-US" dirty="0"/>
           </a:p>
@@ -11093,7 +12343,7 @@
         </p:blipFill>
         <p:spPr>
           <a:xfrm>
-            <a:off x="1924055" y="2713922"/>
+            <a:off x="1924055" y="2563443"/>
             <a:ext cx="5297477" cy="3975469"/>
           </a:xfrm>
           <a:ln w="3175">
